--- a/34_임미선_과제_20220317_5강.pptx
+++ b/34_임미선_과제_20220317_5강.pptx
@@ -3735,7 +3735,7 @@
                 <a:ea typeface="함초롬돋움" panose="020B0604000101010101" pitchFamily="50" charset="-127"/>
                 <a:cs typeface="함초롬돋움" panose="020B0604000101010101" pitchFamily="50" charset="-127"/>
               </a:rPr>
-              <a:t>*</a:t>
+              <a:t>* </a:t>
             </a:r>
             <a:r>
               <a:rPr lang="en-US" altLang="ko-KR" sz="1000" b="1" dirty="0" err="1" smtClean="0">
@@ -3751,7 +3751,15 @@
                 <a:ea typeface="함초롬돋움" panose="020B0604000101010101" pitchFamily="50" charset="-127"/>
                 <a:cs typeface="함초롬돋움" panose="020B0604000101010101" pitchFamily="50" charset="-127"/>
               </a:rPr>
-              <a:t> : </a:t>
+              <a:t> </a:t>
+            </a:r>
+            <a:r>
+              <a:rPr lang="en-US" altLang="ko-KR" sz="1000" b="1" dirty="0" smtClean="0">
+                <a:latin typeface="함초롬돋움" panose="020B0604000101010101" pitchFamily="50" charset="-127"/>
+                <a:ea typeface="함초롬돋움" panose="020B0604000101010101" pitchFamily="50" charset="-127"/>
+                <a:cs typeface="함초롬돋움" panose="020B0604000101010101" pitchFamily="50" charset="-127"/>
+              </a:rPr>
+              <a:t>: </a:t>
             </a:r>
             <a:r>
               <a:rPr lang="ko-KR" altLang="en-US" sz="1000" b="1" dirty="0" smtClean="0">
@@ -5390,7 +5398,7 @@
                 <a:ea typeface="함초롬돋움" panose="020B0604000101010101" pitchFamily="50" charset="-127"/>
                 <a:cs typeface="함초롬돋움" panose="020B0604000101010101" pitchFamily="50" charset="-127"/>
               </a:rPr>
-              <a:t>*</a:t>
+              <a:t>* </a:t>
             </a:r>
             <a:r>
               <a:rPr lang="en-US" altLang="ko-KR" sz="1000" b="1" dirty="0" err="1" smtClean="0">
@@ -5406,7 +5414,15 @@
                 <a:ea typeface="함초롬돋움" panose="020B0604000101010101" pitchFamily="50" charset="-127"/>
                 <a:cs typeface="함초롬돋움" panose="020B0604000101010101" pitchFamily="50" charset="-127"/>
               </a:rPr>
-              <a:t> - : </a:t>
+              <a:t> </a:t>
+            </a:r>
+            <a:r>
+              <a:rPr lang="en-US" altLang="ko-KR" sz="1000" b="1" dirty="0" smtClean="0">
+                <a:latin typeface="함초롬돋움" panose="020B0604000101010101" pitchFamily="50" charset="-127"/>
+                <a:ea typeface="함초롬돋움" panose="020B0604000101010101" pitchFamily="50" charset="-127"/>
+                <a:cs typeface="함초롬돋움" panose="020B0604000101010101" pitchFamily="50" charset="-127"/>
+              </a:rPr>
+              <a:t>- : </a:t>
             </a:r>
             <a:r>
               <a:rPr lang="ko-KR" altLang="en-US" sz="1000" b="1" dirty="0" smtClean="0">
@@ -17254,7 +17270,7 @@
         </p:nvSpPr>
         <p:spPr>
           <a:xfrm>
-            <a:off x="3549174" y="4383037"/>
+            <a:off x="3958016" y="4383037"/>
             <a:ext cx="5123330" cy="923330"/>
           </a:xfrm>
           <a:prstGeom prst="rect">
@@ -18017,6 +18033,98 @@
               <a:ea typeface="함초롬돋움" panose="020B0604000101010101" pitchFamily="50" charset="-127"/>
               <a:cs typeface="함초롬돋움" panose="020B0604000101010101" pitchFamily="50" charset="-127"/>
             </a:endParaRPr>
+          </a:p>
+        </p:txBody>
+      </p:sp>
+      <p:sp>
+        <p:nvSpPr>
+          <p:cNvPr id="11" name="직사각형 10"/>
+          <p:cNvSpPr/>
+          <p:nvPr/>
+        </p:nvSpPr>
+        <p:spPr>
+          <a:xfrm>
+            <a:off x="2755567" y="3327989"/>
+            <a:ext cx="1167848" cy="271535"/>
+          </a:xfrm>
+          <a:prstGeom prst="rect">
+            <a:avLst/>
+          </a:prstGeom>
+          <a:noFill/>
+          <a:ln w="28575">
+            <a:solidFill>
+              <a:schemeClr val="accent6"/>
+            </a:solidFill>
+          </a:ln>
+        </p:spPr>
+        <p:style>
+          <a:lnRef idx="2">
+            <a:schemeClr val="accent1">
+              <a:shade val="50000"/>
+            </a:schemeClr>
+          </a:lnRef>
+          <a:fillRef idx="1">
+            <a:schemeClr val="accent1"/>
+          </a:fillRef>
+          <a:effectRef idx="0">
+            <a:schemeClr val="accent1"/>
+          </a:effectRef>
+          <a:fontRef idx="minor">
+            <a:schemeClr val="lt1"/>
+          </a:fontRef>
+        </p:style>
+        <p:txBody>
+          <a:bodyPr rtlCol="0" anchor="ctr"/>
+          <a:lstStyle/>
+          <a:p>
+            <a:pPr algn="ctr"/>
+            <a:endParaRPr lang="ko-KR" altLang="en-US"/>
+          </a:p>
+        </p:txBody>
+      </p:sp>
+      <p:sp>
+        <p:nvSpPr>
+          <p:cNvPr id="14" name="직사각형 13"/>
+          <p:cNvSpPr/>
+          <p:nvPr/>
+        </p:nvSpPr>
+        <p:spPr>
+          <a:xfrm>
+            <a:off x="3748333" y="4192887"/>
+            <a:ext cx="4398216" cy="1303630"/>
+          </a:xfrm>
+          <a:prstGeom prst="rect">
+            <a:avLst/>
+          </a:prstGeom>
+          <a:noFill/>
+          <a:ln w="28575">
+            <a:solidFill>
+              <a:schemeClr val="accent6"/>
+            </a:solidFill>
+          </a:ln>
+        </p:spPr>
+        <p:style>
+          <a:lnRef idx="2">
+            <a:schemeClr val="accent1">
+              <a:shade val="50000"/>
+            </a:schemeClr>
+          </a:lnRef>
+          <a:fillRef idx="1">
+            <a:schemeClr val="accent1"/>
+          </a:fillRef>
+          <a:effectRef idx="0">
+            <a:schemeClr val="accent1"/>
+          </a:effectRef>
+          <a:fontRef idx="minor">
+            <a:schemeClr val="lt1"/>
+          </a:fontRef>
+        </p:style>
+        <p:txBody>
+          <a:bodyPr rtlCol="0" anchor="ctr"/>
+          <a:lstStyle/>
+          <a:p>
+            <a:pPr algn="ctr"/>
+            <a:endParaRPr lang="ko-KR" altLang="en-US"/>
           </a:p>
         </p:txBody>
       </p:sp>
@@ -21933,7 +22041,23 @@
                 <a:ea typeface="함초롬돋움" panose="020B0604000101010101" pitchFamily="50" charset="-127"/>
                 <a:cs typeface="함초롬돋움" panose="020B0604000101010101" pitchFamily="50" charset="-127"/>
               </a:rPr>
-              <a:t> 권한 제거</a:t>
+              <a:t> </a:t>
+            </a:r>
+            <a:r>
+              <a:rPr lang="ko-KR" altLang="en-US" sz="1000" b="1" dirty="0" smtClean="0">
+                <a:latin typeface="함초롬돋움" panose="020B0604000101010101" pitchFamily="50" charset="-127"/>
+                <a:ea typeface="함초롬돋움" panose="020B0604000101010101" pitchFamily="50" charset="-127"/>
+                <a:cs typeface="함초롬돋움" panose="020B0604000101010101" pitchFamily="50" charset="-127"/>
+              </a:rPr>
+              <a:t>권한을 제거한다</a:t>
+            </a:r>
+            <a:r>
+              <a:rPr lang="en-US" altLang="ko-KR" sz="1000" b="1" dirty="0" smtClean="0">
+                <a:latin typeface="함초롬돋움" panose="020B0604000101010101" pitchFamily="50" charset="-127"/>
+                <a:ea typeface="함초롬돋움" panose="020B0604000101010101" pitchFamily="50" charset="-127"/>
+                <a:cs typeface="함초롬돋움" panose="020B0604000101010101" pitchFamily="50" charset="-127"/>
+              </a:rPr>
+              <a:t>.</a:t>
             </a:r>
             <a:endParaRPr lang="en-US" altLang="ko-KR" sz="1000" b="1" dirty="0" smtClean="0">
               <a:latin typeface="함초롬돋움" panose="020B0604000101010101" pitchFamily="50" charset="-127"/>
@@ -22857,14 +22981,6 @@
                 <a:ea typeface="함초롬돋움" panose="020B0604000101010101" pitchFamily="50" charset="-127"/>
                 <a:cs typeface="함초롬돋움" panose="020B0604000101010101" pitchFamily="50" charset="-127"/>
               </a:rPr>
-              <a:t> 권한</a:t>
-            </a:r>
-            <a:r>
-              <a:rPr lang="en-US" altLang="ko-KR" sz="1000" b="1" dirty="0">
-                <a:latin typeface="함초롬돋움" panose="020B0604000101010101" pitchFamily="50" charset="-127"/>
-                <a:ea typeface="함초롬돋움" panose="020B0604000101010101" pitchFamily="50" charset="-127"/>
-                <a:cs typeface="함초롬돋움" panose="020B0604000101010101" pitchFamily="50" charset="-127"/>
-              </a:rPr>
               <a:t> </a:t>
             </a:r>
             <a:r>
@@ -22873,7 +22989,23 @@
                 <a:ea typeface="함초롬돋움" panose="020B0604000101010101" pitchFamily="50" charset="-127"/>
                 <a:cs typeface="함초롬돋움" panose="020B0604000101010101" pitchFamily="50" charset="-127"/>
               </a:rPr>
-              <a:t>부여</a:t>
+              <a:t>권한</a:t>
+            </a:r>
+            <a:r>
+              <a:rPr lang="ko-KR" altLang="en-US" sz="1000" b="1" dirty="0" smtClean="0">
+                <a:latin typeface="함초롬돋움" panose="020B0604000101010101" pitchFamily="50" charset="-127"/>
+                <a:ea typeface="함초롬돋움" panose="020B0604000101010101" pitchFamily="50" charset="-127"/>
+                <a:cs typeface="함초롬돋움" panose="020B0604000101010101" pitchFamily="50" charset="-127"/>
+              </a:rPr>
+              <a:t>을 부여한다</a:t>
+            </a:r>
+            <a:r>
+              <a:rPr lang="en-US" altLang="ko-KR" sz="1000" b="1" dirty="0" smtClean="0">
+                <a:latin typeface="함초롬돋움" panose="020B0604000101010101" pitchFamily="50" charset="-127"/>
+                <a:ea typeface="함초롬돋움" panose="020B0604000101010101" pitchFamily="50" charset="-127"/>
+                <a:cs typeface="함초롬돋움" panose="020B0604000101010101" pitchFamily="50" charset="-127"/>
+              </a:rPr>
+              <a:t>.</a:t>
             </a:r>
             <a:endParaRPr lang="en-US" altLang="ko-KR" sz="1000" b="1" dirty="0" smtClean="0">
               <a:latin typeface="함초롬돋움" panose="020B0604000101010101" pitchFamily="50" charset="-127"/>
@@ -23728,7 +23860,23 @@
                 <a:ea typeface="함초롬돋움" panose="020B0604000101010101" pitchFamily="50" charset="-127"/>
                 <a:cs typeface="함초롬돋움" panose="020B0604000101010101" pitchFamily="50" charset="-127"/>
               </a:rPr>
-              <a:t>파일에서 모두 실행 권한 부여</a:t>
+              <a:t>파일에서 </a:t>
+            </a:r>
+            <a:r>
+              <a:rPr lang="ko-KR" altLang="en-US" sz="1000" b="1" dirty="0" smtClean="0">
+                <a:latin typeface="함초롬돋움" panose="020B0604000101010101" pitchFamily="50" charset="-127"/>
+                <a:ea typeface="함초롬돋움" panose="020B0604000101010101" pitchFamily="50" charset="-127"/>
+                <a:cs typeface="함초롬돋움" panose="020B0604000101010101" pitchFamily="50" charset="-127"/>
+              </a:rPr>
+              <a:t>모두에게 실행 권한을 부여한다</a:t>
+            </a:r>
+            <a:r>
+              <a:rPr lang="en-US" altLang="ko-KR" sz="1000" b="1" dirty="0" smtClean="0">
+                <a:latin typeface="함초롬돋움" panose="020B0604000101010101" pitchFamily="50" charset="-127"/>
+                <a:ea typeface="함초롬돋움" panose="020B0604000101010101" pitchFamily="50" charset="-127"/>
+                <a:cs typeface="함초롬돋움" panose="020B0604000101010101" pitchFamily="50" charset="-127"/>
+              </a:rPr>
+              <a:t>.</a:t>
             </a:r>
             <a:endParaRPr lang="en-US" altLang="ko-KR" sz="1000" b="1" dirty="0" smtClean="0">
               <a:latin typeface="함초롬돋움" panose="020B0604000101010101" pitchFamily="50" charset="-127"/>
@@ -24706,7 +24854,15 @@
                 <a:ea typeface="함초롬돋움" panose="020B0604000101010101" pitchFamily="50" charset="-127"/>
                 <a:cs typeface="함초롬돋움" panose="020B0604000101010101" pitchFamily="50" charset="-127"/>
               </a:rPr>
-              <a:t>권한 제거</a:t>
+              <a:t>권한을 제거한다</a:t>
+            </a:r>
+            <a:r>
+              <a:rPr lang="en-US" altLang="ko-KR" sz="1000" b="1" dirty="0" smtClean="0">
+                <a:latin typeface="함초롬돋움" panose="020B0604000101010101" pitchFamily="50" charset="-127"/>
+                <a:ea typeface="함초롬돋움" panose="020B0604000101010101" pitchFamily="50" charset="-127"/>
+                <a:cs typeface="함초롬돋움" panose="020B0604000101010101" pitchFamily="50" charset="-127"/>
+              </a:rPr>
+              <a:t>.</a:t>
             </a:r>
             <a:endParaRPr lang="en-US" altLang="ko-KR" sz="1000" b="1" dirty="0" smtClean="0">
               <a:latin typeface="함초롬돋움" panose="020B0604000101010101" pitchFamily="50" charset="-127"/>
@@ -25385,8 +25541,8 @@
         </p:nvSpPr>
         <p:spPr>
           <a:xfrm>
-            <a:off x="3369610" y="3937362"/>
-            <a:ext cx="5697749" cy="523220"/>
+            <a:off x="3146326" y="3937362"/>
+            <a:ext cx="6220957" cy="523220"/>
           </a:xfrm>
           <a:prstGeom prst="rect">
             <a:avLst/>
@@ -25705,7 +25861,15 @@
                 <a:ea typeface="함초롬돋움" panose="020B0604000101010101" pitchFamily="50" charset="-127"/>
                 <a:cs typeface="함초롬돋움" panose="020B0604000101010101" pitchFamily="50" charset="-127"/>
               </a:rPr>
-              <a:t>읽기</a:t>
+              <a:t>읽기로 변경한다</a:t>
+            </a:r>
+            <a:r>
+              <a:rPr lang="en-US" altLang="ko-KR" sz="1000" b="1" dirty="0" smtClean="0">
+                <a:latin typeface="함초롬돋움" panose="020B0604000101010101" pitchFamily="50" charset="-127"/>
+                <a:ea typeface="함초롬돋움" panose="020B0604000101010101" pitchFamily="50" charset="-127"/>
+                <a:cs typeface="함초롬돋움" panose="020B0604000101010101" pitchFamily="50" charset="-127"/>
+              </a:rPr>
+              <a:t>.</a:t>
             </a:r>
             <a:endParaRPr lang="en-US" altLang="ko-KR" sz="1000" b="1" dirty="0" smtClean="0">
               <a:latin typeface="함초롬돋움" panose="020B0604000101010101" pitchFamily="50" charset="-127"/>
@@ -26799,8 +26963,8 @@
         </p:nvSpPr>
         <p:spPr>
           <a:xfrm>
-            <a:off x="3369610" y="3937362"/>
-            <a:ext cx="5697749" cy="523220"/>
+            <a:off x="2795452" y="4011790"/>
+            <a:ext cx="6827013" cy="523220"/>
           </a:xfrm>
           <a:prstGeom prst="rect">
             <a:avLst/>
@@ -27135,7 +27299,15 @@
                 <a:ea typeface="함초롬돋움" panose="020B0604000101010101" pitchFamily="50" charset="-127"/>
                 <a:cs typeface="함초롬돋움" panose="020B0604000101010101" pitchFamily="50" charset="-127"/>
               </a:rPr>
-              <a:t>실행</a:t>
+              <a:t>실행으로 변경한다</a:t>
+            </a:r>
+            <a:r>
+              <a:rPr lang="en-US" altLang="ko-KR" sz="1000" b="1" dirty="0" smtClean="0">
+                <a:latin typeface="함초롬돋움" panose="020B0604000101010101" pitchFamily="50" charset="-127"/>
+                <a:ea typeface="함초롬돋움" panose="020B0604000101010101" pitchFamily="50" charset="-127"/>
+                <a:cs typeface="함초롬돋움" panose="020B0604000101010101" pitchFamily="50" charset="-127"/>
+              </a:rPr>
+              <a:t>.</a:t>
             </a:r>
             <a:endParaRPr lang="en-US" altLang="ko-KR" sz="1000" b="1" dirty="0" smtClean="0">
               <a:latin typeface="함초롬돋움" panose="020B0604000101010101" pitchFamily="50" charset="-127"/>
@@ -28182,7 +28354,15 @@
                 <a:ea typeface="함초롬돋움" panose="020B0604000101010101" pitchFamily="50" charset="-127"/>
                 <a:cs typeface="함초롬돋움" panose="020B0604000101010101" pitchFamily="50" charset="-127"/>
               </a:rPr>
-              <a:t>실행</a:t>
+              <a:t>실행으로 변경한다</a:t>
+            </a:r>
+            <a:r>
+              <a:rPr lang="en-US" altLang="ko-KR" sz="1000" b="1" dirty="0" smtClean="0">
+                <a:latin typeface="함초롬돋움" panose="020B0604000101010101" pitchFamily="50" charset="-127"/>
+                <a:ea typeface="함초롬돋움" panose="020B0604000101010101" pitchFamily="50" charset="-127"/>
+                <a:cs typeface="함초롬돋움" panose="020B0604000101010101" pitchFamily="50" charset="-127"/>
+              </a:rPr>
+              <a:t>.</a:t>
             </a:r>
             <a:endParaRPr lang="en-US" altLang="ko-KR" sz="1000" b="1" dirty="0" smtClean="0">
               <a:latin typeface="함초롬돋움" panose="020B0604000101010101" pitchFamily="50" charset="-127"/>
@@ -29468,7 +29648,15 @@
                 <a:ea typeface="함초롬돋움" panose="020B0604000101010101" pitchFamily="50" charset="-127"/>
                 <a:cs typeface="함초롬돋움" panose="020B0604000101010101" pitchFamily="50" charset="-127"/>
               </a:rPr>
-              <a:t>없음</a:t>
+              <a:t>없음으로 변경한다</a:t>
+            </a:r>
+            <a:r>
+              <a:rPr lang="en-US" altLang="ko-KR" sz="1000" b="1" dirty="0" smtClean="0">
+                <a:latin typeface="함초롬돋움" panose="020B0604000101010101" pitchFamily="50" charset="-127"/>
+                <a:ea typeface="함초롬돋움" panose="020B0604000101010101" pitchFamily="50" charset="-127"/>
+                <a:cs typeface="함초롬돋움" panose="020B0604000101010101" pitchFamily="50" charset="-127"/>
+              </a:rPr>
+              <a:t>.</a:t>
             </a:r>
             <a:endParaRPr lang="en-US" altLang="ko-KR" sz="1000" b="1" dirty="0" smtClean="0">
               <a:latin typeface="함초롬돋움" panose="020B0604000101010101" pitchFamily="50" charset="-127"/>
@@ -29781,7 +29969,29 @@
                 <a:ea typeface="함초롬돋움" panose="020B0604000101010101" pitchFamily="50" charset="-127"/>
                 <a:cs typeface="함초롬돋움" panose="020B0604000101010101" pitchFamily="50" charset="-127"/>
               </a:rPr>
-              <a:t>기존 사용자와 그룹 권한은 </a:t>
+              <a:t>기존 사용자와 </a:t>
+            </a:r>
+            <a:r>
+              <a:rPr lang="ko-KR" altLang="en-US" sz="1000" b="1" dirty="0" smtClean="0">
+                <a:solidFill>
+                  <a:srgbClr val="7030A0"/>
+                </a:solidFill>
+                <a:latin typeface="함초롬돋움" panose="020B0604000101010101" pitchFamily="50" charset="-127"/>
+                <a:ea typeface="함초롬돋움" panose="020B0604000101010101" pitchFamily="50" charset="-127"/>
+                <a:cs typeface="함초롬돋움" panose="020B0604000101010101" pitchFamily="50" charset="-127"/>
+              </a:rPr>
+              <a:t>그룹의 </a:t>
+            </a:r>
+            <a:r>
+              <a:rPr lang="ko-KR" altLang="en-US" sz="1000" b="1" dirty="0" smtClean="0">
+                <a:solidFill>
+                  <a:srgbClr val="7030A0"/>
+                </a:solidFill>
+                <a:latin typeface="함초롬돋움" panose="020B0604000101010101" pitchFamily="50" charset="-127"/>
+                <a:ea typeface="함초롬돋움" panose="020B0604000101010101" pitchFamily="50" charset="-127"/>
+                <a:cs typeface="함초롬돋움" panose="020B0604000101010101" pitchFamily="50" charset="-127"/>
+              </a:rPr>
+              <a:t>권한은 </a:t>
             </a:r>
             <a:r>
               <a:rPr lang="en-US" altLang="ko-KR" sz="1000" b="1" dirty="0" smtClean="0">
@@ -37830,7 +38040,23 @@
                 <a:ea typeface="함초롬돋움" panose="020B0604000101010101" pitchFamily="50" charset="-127"/>
                 <a:cs typeface="함초롬돋움" panose="020B0604000101010101" pitchFamily="50" charset="-127"/>
               </a:rPr>
-              <a:t>새로운 유저의 정보를 입력</a:t>
+              <a:t>새로운 </a:t>
+            </a:r>
+            <a:r>
+              <a:rPr lang="ko-KR" altLang="en-US" b="1" dirty="0" smtClean="0">
+                <a:latin typeface="함초롬돋움" panose="020B0604000101010101" pitchFamily="50" charset="-127"/>
+                <a:ea typeface="함초롬돋움" panose="020B0604000101010101" pitchFamily="50" charset="-127"/>
+                <a:cs typeface="함초롬돋움" panose="020B0604000101010101" pitchFamily="50" charset="-127"/>
+              </a:rPr>
+              <a:t>사용자의 </a:t>
+            </a:r>
+            <a:r>
+              <a:rPr lang="ko-KR" altLang="en-US" b="1" dirty="0" smtClean="0">
+                <a:latin typeface="함초롬돋움" panose="020B0604000101010101" pitchFamily="50" charset="-127"/>
+                <a:ea typeface="함초롬돋움" panose="020B0604000101010101" pitchFamily="50" charset="-127"/>
+                <a:cs typeface="함초롬돋움" panose="020B0604000101010101" pitchFamily="50" charset="-127"/>
+              </a:rPr>
+              <a:t>정보를 입력</a:t>
             </a:r>
             <a:r>
               <a:rPr lang="en-US" altLang="ko-KR" b="1" dirty="0" smtClean="0">
@@ -38229,7 +38455,7 @@
         </p:blipFill>
         <p:spPr>
           <a:xfrm>
-            <a:off x="129805" y="150517"/>
+            <a:off x="129804" y="682808"/>
             <a:ext cx="5829300" cy="942975"/>
           </a:xfrm>
           <a:prstGeom prst="rect">
@@ -38252,7 +38478,7 @@
         </p:blipFill>
         <p:spPr>
           <a:xfrm>
-            <a:off x="129806" y="1093492"/>
+            <a:off x="129805" y="1625783"/>
             <a:ext cx="5829300" cy="4594927"/>
           </a:xfrm>
           <a:prstGeom prst="rect">
@@ -38275,7 +38501,7 @@
         </p:blipFill>
         <p:spPr>
           <a:xfrm>
-            <a:off x="5959105" y="150517"/>
+            <a:off x="5959104" y="597084"/>
             <a:ext cx="6105525" cy="1475266"/>
           </a:xfrm>
           <a:prstGeom prst="rect">
